--- a/FinalPeoject/期末報告N16064755.pptx
+++ b/FinalPeoject/期末報告N16064755.pptx
@@ -214,7 +214,7 @@
           <a:p>
             <a:fld id="{AC79B409-9CE1-4F7F-B4DB-97AEEA255B2C}" type="datetimeFigureOut">
               <a:rPr lang="zh-TW" altLang="en-US" smtClean="0"/>
-              <a:t>2018/1/11</a:t>
+              <a:t>2018/1/15</a:t>
             </a:fld>
             <a:endParaRPr lang="zh-TW" altLang="en-US"/>
           </a:p>
@@ -753,7 +753,7 @@
           <a:p>
             <a:fld id="{0F6A44CF-258D-4C29-8BB6-5FD6DE38F2D5}" type="datetime1">
               <a:rPr lang="en-US" altLang="zh-TW" smtClean="0"/>
-              <a:t>1/11/2018</a:t>
+              <a:t>1/15/2018</a:t>
             </a:fld>
             <a:endParaRPr lang="en-US" dirty="0"/>
           </a:p>
@@ -1096,7 +1096,7 @@
           <a:p>
             <a:fld id="{B20C6AFB-1971-4EC2-A3E3-4D5C6A33E605}" type="datetime1">
               <a:rPr lang="en-US" altLang="zh-TW" smtClean="0"/>
-              <a:t>1/11/2018</a:t>
+              <a:t>1/15/2018</a:t>
             </a:fld>
             <a:endParaRPr lang="en-US" dirty="0"/>
           </a:p>
@@ -1502,7 +1502,7 @@
           <a:p>
             <a:fld id="{F147AEDF-4CF9-4427-9600-991C1570F592}" type="datetime1">
               <a:rPr lang="en-US" altLang="zh-TW" smtClean="0"/>
-              <a:t>1/11/2018</a:t>
+              <a:t>1/15/2018</a:t>
             </a:fld>
             <a:endParaRPr lang="en-US" dirty="0"/>
           </a:p>
@@ -1843,7 +1843,7 @@
           <a:p>
             <a:fld id="{A68958D4-B41A-45DD-AE56-CB4D49D3644F}" type="datetime1">
               <a:rPr lang="en-US" altLang="zh-TW" smtClean="0"/>
-              <a:t>1/11/2018</a:t>
+              <a:t>1/15/2018</a:t>
             </a:fld>
             <a:endParaRPr lang="en-US" dirty="0"/>
           </a:p>
@@ -2168,7 +2168,7 @@
           <a:p>
             <a:fld id="{6A4056CE-E90E-49D2-BFC3-EA6A95A35D98}" type="datetime1">
               <a:rPr lang="en-US" altLang="zh-TW" smtClean="0"/>
-              <a:t>1/11/2018</a:t>
+              <a:t>1/15/2018</a:t>
             </a:fld>
             <a:endParaRPr lang="en-US" dirty="0"/>
           </a:p>
@@ -2569,7 +2569,7 @@
           <a:p>
             <a:fld id="{4B80A9A0-664F-4A5F-AE59-564D30A524B5}" type="datetime1">
               <a:rPr lang="en-US" altLang="zh-TW" smtClean="0"/>
-              <a:t>1/11/2018</a:t>
+              <a:t>1/15/2018</a:t>
             </a:fld>
             <a:endParaRPr lang="en-US" dirty="0"/>
           </a:p>
@@ -2831,7 +2831,7 @@
           <a:p>
             <a:fld id="{DF4BD8C5-3DF9-4C02-96CD-61480E1B8305}" type="datetime1">
               <a:rPr lang="en-US" altLang="zh-TW" smtClean="0"/>
-              <a:t>1/11/2018</a:t>
+              <a:t>1/15/2018</a:t>
             </a:fld>
             <a:endParaRPr lang="en-US" dirty="0"/>
           </a:p>
@@ -3098,7 +3098,7 @@
           <a:p>
             <a:fld id="{E42E5612-C8D5-4592-85DD-9C1AC7A7F66B}" type="datetime1">
               <a:rPr lang="en-US" altLang="zh-TW" smtClean="0"/>
-              <a:t>1/11/2018</a:t>
+              <a:t>1/15/2018</a:t>
             </a:fld>
             <a:endParaRPr lang="en-US" dirty="0"/>
           </a:p>
@@ -3365,7 +3365,7 @@
           <a:p>
             <a:fld id="{BA8B0493-615A-415D-BEF2-3189D4AA9D6B}" type="datetime1">
               <a:rPr lang="en-US" altLang="zh-TW" smtClean="0"/>
-              <a:t>1/11/2018</a:t>
+              <a:t>1/15/2018</a:t>
             </a:fld>
             <a:endParaRPr lang="en-US" dirty="0"/>
           </a:p>
@@ -3701,7 +3701,7 @@
           <a:p>
             <a:fld id="{2711EE5A-50D8-4C28-9247-1419FCDE4010}" type="datetime1">
               <a:rPr lang="en-US" altLang="zh-TW" smtClean="0"/>
-              <a:t>1/11/2018</a:t>
+              <a:t>1/15/2018</a:t>
             </a:fld>
             <a:endParaRPr lang="en-US" dirty="0"/>
           </a:p>
@@ -4029,7 +4029,7 @@
           <a:p>
             <a:fld id="{EAB6A347-E137-48EA-93A9-B54848BD1E7B}" type="datetime1">
               <a:rPr lang="en-US" altLang="zh-TW" smtClean="0"/>
-              <a:t>1/11/2018</a:t>
+              <a:t>1/15/2018</a:t>
             </a:fld>
             <a:endParaRPr lang="en-US" dirty="0"/>
           </a:p>
@@ -4493,7 +4493,7 @@
           <a:p>
             <a:fld id="{7B9144A2-23C3-499D-82D3-844D7149A67E}" type="datetime1">
               <a:rPr lang="en-US" altLang="zh-TW" smtClean="0"/>
-              <a:t>1/11/2018</a:t>
+              <a:t>1/15/2018</a:t>
             </a:fld>
             <a:endParaRPr lang="en-US" dirty="0"/>
           </a:p>
@@ -4703,7 +4703,7 @@
           <a:p>
             <a:fld id="{1A9B9C7C-90AA-427B-BC13-8634257408F7}" type="datetime1">
               <a:rPr lang="en-US" altLang="zh-TW" smtClean="0"/>
-              <a:t>1/11/2018</a:t>
+              <a:t>1/15/2018</a:t>
             </a:fld>
             <a:endParaRPr lang="en-US" dirty="0"/>
           </a:p>
@@ -4885,7 +4885,7 @@
           <a:p>
             <a:fld id="{EBD9AB0D-4C4F-4C33-AA4B-5A0C71D6DA96}" type="datetime1">
               <a:rPr lang="en-US" altLang="zh-TW" smtClean="0"/>
-              <a:t>1/11/2018</a:t>
+              <a:t>1/15/2018</a:t>
             </a:fld>
             <a:endParaRPr lang="en-US" dirty="0"/>
           </a:p>
@@ -5223,7 +5223,7 @@
           <a:p>
             <a:fld id="{AA89B88E-85C9-4C5B-B005-B4E58CAD9ABB}" type="datetime1">
               <a:rPr lang="en-US" altLang="zh-TW" smtClean="0"/>
-              <a:t>1/11/2018</a:t>
+              <a:t>1/15/2018</a:t>
             </a:fld>
             <a:endParaRPr lang="en-US" dirty="0"/>
           </a:p>
@@ -5573,7 +5573,7 @@
           <a:p>
             <a:fld id="{167B0B0F-EB62-4D23-9AB9-FBCEF89463CF}" type="datetime1">
               <a:rPr lang="en-US" altLang="zh-TW" smtClean="0"/>
-              <a:t>1/11/2018</a:t>
+              <a:t>1/15/2018</a:t>
             </a:fld>
             <a:endParaRPr lang="en-US" dirty="0"/>
           </a:p>
@@ -7695,7 +7695,7 @@
           <a:p>
             <a:fld id="{69F0480E-44FE-4732-9BC6-2A4F6D292CA6}" type="datetime1">
               <a:rPr lang="en-US" altLang="zh-TW" smtClean="0"/>
-              <a:t>1/11/2018</a:t>
+              <a:t>1/15/2018</a:t>
             </a:fld>
             <a:endParaRPr lang="en-US" dirty="0"/>
           </a:p>
@@ -8247,6 +8247,10 @@
               <a:rPr lang="zh-TW" altLang="zh-TW" sz="4000" dirty="0"/>
               <a:t>物件導向程式設計</a:t>
             </a:r>
+            <a:r>
+              <a:rPr lang="zh-TW" altLang="en-US" sz="4000" dirty="0"/>
+              <a:t/>
+            </a:r>
             <a:br>
               <a:rPr lang="zh-TW" altLang="en-US" sz="4000" dirty="0"/>
             </a:br>
@@ -8750,8 +8754,28 @@
           <a:p>
             <a:r>
               <a:rPr lang="zh-TW" altLang="en-US" dirty="0"/>
-              <a:t>無交點之三角網格以紫色三角型呈現。</a:t>
-            </a:r>
+              <a:t>無交點之三角網格以紫色三角型呈現</a:t>
+            </a:r>
+            <a:r>
+              <a:rPr lang="zh-TW" altLang="en-US" dirty="0" smtClean="0"/>
+              <a:t>。</a:t>
+            </a:r>
+            <a:endParaRPr lang="en-US" altLang="zh-TW" dirty="0" smtClean="0"/>
+          </a:p>
+          <a:p>
+            <a:r>
+              <a:rPr lang="zh-TW" altLang="en-US" dirty="0" smtClean="0"/>
+              <a:t>可藉由軟體的設定頁面 </a:t>
+            </a:r>
+            <a:r>
+              <a:rPr lang="en-US" altLang="zh-TW" dirty="0" smtClean="0"/>
+              <a:t>Edit -&gt; default setting </a:t>
+            </a:r>
+            <a:r>
+              <a:rPr lang="zh-TW" altLang="en-US" dirty="0" smtClean="0"/>
+              <a:t>對取樣的間隔做設定。</a:t>
+            </a:r>
+            <a:endParaRPr lang="zh-TW" altLang="en-US" dirty="0"/>
           </a:p>
         </p:txBody>
       </p:sp>
@@ -9146,7 +9170,15 @@
           <a:p>
             <a:r>
               <a:rPr lang="zh-TW" altLang="en-US" dirty="0"/>
-              <a:t>在轉換完後會有部分與射線無交點的網格，在後續布林運算中為了保存網格，需要將此網格歸類至鄰近有交地的網格中，在程式中並未實做出來，希望未來可以將後續的演算法實做出來。</a:t>
+              <a:t>在轉換完後會有部分與射線無交點的網格，在後續布林運算中為了保存網格，需要將此網格歸類至鄰近有</a:t>
+            </a:r>
+            <a:r>
+              <a:rPr lang="zh-TW" altLang="en-US" dirty="0" smtClean="0"/>
+              <a:t>交點的</a:t>
+            </a:r>
+            <a:r>
+              <a:rPr lang="zh-TW" altLang="en-US" dirty="0"/>
+              <a:t>網格中，在程式中並未實做出來，希望未來可以將後續的演算法實做出來。</a:t>
             </a:r>
           </a:p>
         </p:txBody>
@@ -9837,18 +9869,49 @@
             </a:r>
             <a:r>
               <a:rPr lang="zh-TW" altLang="en-US" dirty="0"/>
-              <a:t>結構以完成布林運算的</a:t>
-            </a:r>
-            <a:r>
-              <a:rPr lang="zh-TW" altLang="en-US"/>
-              <a:t>的前置作業，此結構在進行布林運算的優點為在處理複雜模型實具有一定的強健性。</a:t>
+              <a:t>結構以完成布林運算的的前置作業，此結構在進行布林運算的優點為在處理複雜</a:t>
+            </a:r>
+            <a:r>
+              <a:rPr lang="zh-TW" altLang="en-US" dirty="0" smtClean="0"/>
+              <a:t>模型時具有</a:t>
+            </a:r>
+            <a:r>
+              <a:rPr lang="zh-TW" altLang="en-US" dirty="0"/>
+              <a:t>一定的強健性。</a:t>
             </a:r>
             <a:endParaRPr lang="en-US" altLang="zh-TW" dirty="0"/>
           </a:p>
           <a:p>
             <a:r>
+              <a:rPr lang="zh-TW" altLang="en-US" dirty="0" smtClean="0"/>
+              <a:t>本程式以實驗室開發的護具生成軟體</a:t>
+            </a:r>
+            <a:r>
+              <a:rPr lang="en-US" altLang="zh-TW" dirty="0" smtClean="0"/>
+              <a:t>Brace </a:t>
+            </a:r>
+            <a:r>
+              <a:rPr lang="zh-TW" altLang="en-US" dirty="0" smtClean="0"/>
+              <a:t>為基礎在上面新增了將網格模型轉換為</a:t>
+            </a:r>
+            <a:r>
+              <a:rPr lang="en-US" altLang="zh-TW" dirty="0" smtClean="0"/>
+              <a:t>LDI</a:t>
+            </a:r>
+            <a:r>
+              <a:rPr lang="zh-TW" altLang="en-US" dirty="0" smtClean="0"/>
+              <a:t>結構的功能。</a:t>
+            </a:r>
+            <a:endParaRPr lang="en-US" altLang="zh-TW" dirty="0" smtClean="0"/>
+          </a:p>
+          <a:p>
+            <a:r>
+              <a:rPr lang="zh-TW" altLang="en-US" dirty="0" smtClean="0"/>
+              <a:t>為了</a:t>
+            </a:r>
+            <a:r>
               <a:rPr lang="zh-TW" altLang="en-US" dirty="0"/>
-              <a:t>為了減少計算網格與射線的交點次數，本程式採用預先計算網格可能的交線在進行交錯檢測以增進速度。</a:t>
+              <a:t>減少計算網格與射線的交點次數，本程式採用預先計算網格可能的交線在進行交錯檢測以增進速度。</a:t>
             </a:r>
             <a:endParaRPr lang="en-US" altLang="zh-TW" dirty="0"/>
           </a:p>
@@ -10719,7 +10782,7 @@
           <a:graphicData uri="http://schemas.openxmlformats.org/presentationml/2006/ole">
             <mc:AlternateContent xmlns:mc="http://schemas.openxmlformats.org/markup-compatibility/2006">
               <mc:Choice xmlns:v="urn:schemas-microsoft-com:vml" Requires="v">
-                <p:oleObj spid="_x0000_s1036" name="Visio" r:id="rId3" imgW="4591086" imgH="7762862" progId="Visio.Drawing.15">
+                <p:oleObj spid="_x0000_s1040" name="Visio" r:id="rId3" imgW="4591086" imgH="7762862" progId="Visio.Drawing.15">
                   <p:embed/>
                 </p:oleObj>
               </mc:Choice>
